--- a/Git_Markdown_20140210.pptx
+++ b/Git_Markdown_20140210.pptx
@@ -6295,28 +6295,28 @@
           </a:p>
           <a:p>
             <a:r>
-              <a:rPr lang="en-US" altLang="ko-KR" smtClean="0"/>
+              <a:rPr lang="en-US" altLang="ko-KR" dirty="0" smtClean="0"/>
               <a:t>	※ </a:t>
             </a:r>
             <a:r>
-              <a:rPr lang="en-US" altLang="ko-KR" smtClean="0">
+              <a:rPr lang="en-US" altLang="ko-KR" dirty="0" smtClean="0">
                 <a:hlinkClick r:id="rId3"/>
               </a:rPr>
               <a:t>https</a:t>
             </a:r>
             <a:r>
-              <a:rPr lang="en-US" altLang="ko-KR" smtClean="0">
+              <a:rPr lang="en-US" altLang="ko-KR" dirty="0" smtClean="0">
                 <a:hlinkClick r:id="rId3"/>
               </a:rPr>
               <a:t>://</a:t>
             </a:r>
             <a:r>
-              <a:rPr lang="en-US" altLang="ko-KR" smtClean="0">
+              <a:rPr lang="en-US" altLang="ko-KR" dirty="0" smtClean="0">
                 <a:hlinkClick r:id="rId3"/>
               </a:rPr>
               <a:t>github.com/foxworld/001-Git/blob/master/MarkDownTest.md</a:t>
             </a:r>
-            <a:endParaRPr lang="en-US" altLang="ko-KR" smtClean="0"/>
+            <a:endParaRPr lang="en-US" altLang="ko-KR" dirty="0" smtClean="0"/>
           </a:p>
           <a:p>
             <a:endParaRPr lang="en-US" altLang="ko-KR" sz="1900" b="0" dirty="0" smtClean="0">
